--- a/Manuscripts & Presentations/Presentation 10172022 Blockchain for Medical Image Data Sharing Presentation.pptx
+++ b/Manuscripts & Presentations/Presentation 10172022 Blockchain for Medical Image Data Sharing Presentation.pptx
@@ -242,7 +242,7 @@
           <a:p>
             <a:fld id="{ADD713E7-8494-1D4E-AB7D-8A7C69C47646}" type="datetimeFigureOut">
               <a:rPr lang="en-US" smtClean="0"/>
-              <a:t>10/23/22</a:t>
+              <a:t>12/7/22</a:t>
             </a:fld>
             <a:endParaRPr lang="en-US"/>
           </a:p>
@@ -994,7 +994,7 @@
           <a:p>
             <a:fld id="{D17D487A-5351-9D4B-87ED-507969B914B3}" type="datetimeFigureOut">
               <a:rPr lang="en-US" smtClean="0"/>
-              <a:t>10/23/22</a:t>
+              <a:t>12/7/22</a:t>
             </a:fld>
             <a:endParaRPr lang="en-US"/>
           </a:p>
@@ -1192,7 +1192,7 @@
           <a:p>
             <a:fld id="{D17D487A-5351-9D4B-87ED-507969B914B3}" type="datetimeFigureOut">
               <a:rPr lang="en-US" smtClean="0"/>
-              <a:t>10/23/22</a:t>
+              <a:t>12/7/22</a:t>
             </a:fld>
             <a:endParaRPr lang="en-US"/>
           </a:p>
@@ -1400,7 +1400,7 @@
           <a:p>
             <a:fld id="{D17D487A-5351-9D4B-87ED-507969B914B3}" type="datetimeFigureOut">
               <a:rPr lang="en-US" smtClean="0"/>
-              <a:t>10/23/22</a:t>
+              <a:t>12/7/22</a:t>
             </a:fld>
             <a:endParaRPr lang="en-US"/>
           </a:p>
@@ -1598,7 +1598,7 @@
           <a:p>
             <a:fld id="{D17D487A-5351-9D4B-87ED-507969B914B3}" type="datetimeFigureOut">
               <a:rPr lang="en-US" smtClean="0"/>
-              <a:t>10/23/22</a:t>
+              <a:t>12/7/22</a:t>
             </a:fld>
             <a:endParaRPr lang="en-US"/>
           </a:p>
@@ -1873,7 +1873,7 @@
           <a:p>
             <a:fld id="{D17D487A-5351-9D4B-87ED-507969B914B3}" type="datetimeFigureOut">
               <a:rPr lang="en-US" smtClean="0"/>
-              <a:t>10/23/22</a:t>
+              <a:t>12/7/22</a:t>
             </a:fld>
             <a:endParaRPr lang="en-US"/>
           </a:p>
@@ -2138,7 +2138,7 @@
           <a:p>
             <a:fld id="{D17D487A-5351-9D4B-87ED-507969B914B3}" type="datetimeFigureOut">
               <a:rPr lang="en-US" smtClean="0"/>
-              <a:t>10/23/22</a:t>
+              <a:t>12/7/22</a:t>
             </a:fld>
             <a:endParaRPr lang="en-US"/>
           </a:p>
@@ -2550,7 +2550,7 @@
           <a:p>
             <a:fld id="{D17D487A-5351-9D4B-87ED-507969B914B3}" type="datetimeFigureOut">
               <a:rPr lang="en-US" smtClean="0"/>
-              <a:t>10/23/22</a:t>
+              <a:t>12/7/22</a:t>
             </a:fld>
             <a:endParaRPr lang="en-US"/>
           </a:p>
@@ -2691,7 +2691,7 @@
           <a:p>
             <a:fld id="{D17D487A-5351-9D4B-87ED-507969B914B3}" type="datetimeFigureOut">
               <a:rPr lang="en-US" smtClean="0"/>
-              <a:t>10/23/22</a:t>
+              <a:t>12/7/22</a:t>
             </a:fld>
             <a:endParaRPr lang="en-US"/>
           </a:p>
@@ -2804,7 +2804,7 @@
           <a:p>
             <a:fld id="{D17D487A-5351-9D4B-87ED-507969B914B3}" type="datetimeFigureOut">
               <a:rPr lang="en-US" smtClean="0"/>
-              <a:t>10/23/22</a:t>
+              <a:t>12/7/22</a:t>
             </a:fld>
             <a:endParaRPr lang="en-US"/>
           </a:p>
@@ -3115,7 +3115,7 @@
           <a:p>
             <a:fld id="{D17D487A-5351-9D4B-87ED-507969B914B3}" type="datetimeFigureOut">
               <a:rPr lang="en-US" smtClean="0"/>
-              <a:t>10/23/22</a:t>
+              <a:t>12/7/22</a:t>
             </a:fld>
             <a:endParaRPr lang="en-US"/>
           </a:p>
@@ -3403,7 +3403,7 @@
           <a:p>
             <a:fld id="{D17D487A-5351-9D4B-87ED-507969B914B3}" type="datetimeFigureOut">
               <a:rPr lang="en-US" smtClean="0"/>
-              <a:t>10/23/22</a:t>
+              <a:t>12/7/22</a:t>
             </a:fld>
             <a:endParaRPr lang="en-US"/>
           </a:p>
@@ -3644,7 +3644,7 @@
           <a:p>
             <a:fld id="{D17D487A-5351-9D4B-87ED-507969B914B3}" type="datetimeFigureOut">
               <a:rPr lang="en-US" smtClean="0"/>
-              <a:t>10/23/22</a:t>
+              <a:t>12/7/22</a:t>
             </a:fld>
             <a:endParaRPr lang="en-US"/>
           </a:p>
